--- a/schema/schema - process v1.pptx
+++ b/schema/schema - process v1.pptx
@@ -3523,45 +3523,15 @@
           <a:chExt cx="0" cy="0"/>
         </a:xfrm>
       </p:grpSpPr>
-      <p:sp>
-        <p:nvSpPr>
-          <p:cNvPr id="2" name="Title 1">
-            <a:extLst>
-              <a:ext uri="{FF2B5EF4-FFF2-40B4-BE49-F238E27FC236}">
-                <a16:creationId xmlns:a16="http://schemas.microsoft.com/office/drawing/2014/main" id="{0BDAA990-DE77-4CED-AABD-A83DB4A01916}"/>
-              </a:ext>
-            </a:extLst>
-          </p:cNvPr>
-          <p:cNvSpPr>
-            <a:spLocks noGrp="1"/>
-          </p:cNvSpPr>
-          <p:nvPr>
-            <p:ph type="title"/>
-          </p:nvPr>
-        </p:nvSpPr>
-        <p:spPr>
-          <a:xfrm>
-            <a:off x="1761991" y="122075"/>
-            <a:ext cx="10307793" cy="807692"/>
-          </a:xfrm>
-        </p:spPr>
-        <p:txBody>
-          <a:bodyPr>
-            <a:noAutofit/>
-          </a:bodyPr>
-          <a:lstStyle/>
-          <a:p>
-            <a:r>
-              <a:rPr lang="en-US" sz="3200" dirty="0"/>
-              <a:t>Schema URL</a:t>
-            </a:r>
-            <a:endParaRPr lang="el-GR" sz="3200" b="1" dirty="0"/>
-          </a:p>
-        </p:txBody>
-      </p:sp>
       <p:pic>
         <p:nvPicPr>
-          <p:cNvPr id="4" name="Picture 3"/>
+          <p:cNvPr id="7" name="Picture 6">
+            <a:extLst>
+              <a:ext uri="{FF2B5EF4-FFF2-40B4-BE49-F238E27FC236}">
+                <a16:creationId xmlns:a16="http://schemas.microsoft.com/office/drawing/2014/main" id="{3CEA2207-E9C5-9B6D-AAE1-99B77A2308DE}"/>
+              </a:ext>
+            </a:extLst>
+          </p:cNvPr>
           <p:cNvPicPr>
             <a:picLocks noChangeAspect="1"/>
           </p:cNvPicPr>
@@ -3575,8 +3545,8 @@
         </p:blipFill>
         <p:spPr>
           <a:xfrm>
-            <a:off x="4278" y="12070"/>
-            <a:ext cx="1757714" cy="1270095"/>
+            <a:off x="450088" y="2542032"/>
+            <a:ext cx="8666480" cy="3383060"/>
           </a:xfrm>
           <a:prstGeom prst="rect">
             <a:avLst/>
@@ -3585,84 +3555,114 @@
       </p:pic>
       <p:sp>
         <p:nvSpPr>
-          <p:cNvPr id="64" name="TextBox 63">
-            <a:extLst>
-              <a:ext uri="{FF2B5EF4-FFF2-40B4-BE49-F238E27FC236}">
-                <a16:creationId xmlns:a16="http://schemas.microsoft.com/office/drawing/2014/main" id="{9B2CD91F-A50E-7E47-8909-4EA58495D10D}"/>
-              </a:ext>
-            </a:extLst>
-          </p:cNvPr>
-          <p:cNvSpPr txBox="1"/>
-          <p:nvPr/>
-        </p:nvSpPr>
-        <p:spPr>
-          <a:xfrm>
-            <a:off x="265684" y="1742084"/>
-            <a:ext cx="10725404" cy="646331"/>
-          </a:xfrm>
-          <a:prstGeom prst="rect">
-            <a:avLst/>
-          </a:prstGeom>
-          <a:noFill/>
-        </p:spPr>
-        <p:txBody>
-          <a:bodyPr wrap="square" rtlCol="0">
-            <a:spAutoFit/>
+          <p:cNvPr id="2" name="Title 1">
+            <a:extLst>
+              <a:ext uri="{FF2B5EF4-FFF2-40B4-BE49-F238E27FC236}">
+                <a16:creationId xmlns:a16="http://schemas.microsoft.com/office/drawing/2014/main" id="{0BDAA990-DE77-4CED-AABD-A83DB4A01916}"/>
+              </a:ext>
+            </a:extLst>
+          </p:cNvPr>
+          <p:cNvSpPr>
+            <a:spLocks noGrp="1"/>
+          </p:cNvSpPr>
+          <p:nvPr>
+            <p:ph type="title"/>
+          </p:nvPr>
+        </p:nvSpPr>
+        <p:spPr>
+          <a:xfrm>
+            <a:off x="1761991" y="122075"/>
+            <a:ext cx="10307793" cy="807692"/>
+          </a:xfrm>
+        </p:spPr>
+        <p:txBody>
+          <a:bodyPr>
+            <a:noAutofit/>
           </a:bodyPr>
           <a:lstStyle/>
           <a:p>
-            <a:pPr algn="just"/>
-            <a:r>
-              <a:rPr lang="en-US" dirty="0"/>
-              <a:t>Publishing URL: </a:t>
-            </a:r>
-            <a:r>
-              <a:rPr lang="en-US" dirty="0">
-                <a:hlinkClick r:id="rId3"/>
-              </a:rPr>
-              <a:t>https://metadata.pithia.eu/schema/</a:t>
-            </a:r>
-            <a:endParaRPr lang="en-US" dirty="0"/>
-          </a:p>
-          <a:p>
-            <a:pPr algn="just"/>
-            <a:r>
-              <a:rPr lang="en-US" dirty="0"/>
-              <a:t>Sample welcome page: </a:t>
-            </a:r>
+            <a:r>
+              <a:rPr lang="en-US" sz="3200" dirty="0"/>
+              <a:t>Schema URL</a:t>
+            </a:r>
+            <a:endParaRPr lang="el-GR" sz="3200" b="1" dirty="0"/>
           </a:p>
         </p:txBody>
       </p:sp>
       <p:pic>
         <p:nvPicPr>
-          <p:cNvPr id="65" name="Picture 64">
-            <a:extLst>
-              <a:ext uri="{FF2B5EF4-FFF2-40B4-BE49-F238E27FC236}">
-                <a16:creationId xmlns:a16="http://schemas.microsoft.com/office/drawing/2014/main" id="{941CBA17-C2AD-F900-A22D-64A304822229}"/>
-              </a:ext>
-            </a:extLst>
-          </p:cNvPr>
+          <p:cNvPr id="4" name="Picture 3"/>
           <p:cNvPicPr>
             <a:picLocks noChangeAspect="1"/>
           </p:cNvPicPr>
           <p:nvPr/>
         </p:nvPicPr>
         <p:blipFill>
-          <a:blip r:embed="rId4"/>
+          <a:blip r:embed="rId3"/>
           <a:stretch>
             <a:fillRect/>
           </a:stretch>
         </p:blipFill>
         <p:spPr>
           <a:xfrm>
-            <a:off x="1014984" y="2455315"/>
-            <a:ext cx="9436608" cy="3499554"/>
+            <a:off x="4278" y="12070"/>
+            <a:ext cx="1757714" cy="1270095"/>
           </a:xfrm>
           <a:prstGeom prst="rect">
             <a:avLst/>
           </a:prstGeom>
         </p:spPr>
       </p:pic>
+      <p:sp>
+        <p:nvSpPr>
+          <p:cNvPr id="64" name="TextBox 63">
+            <a:extLst>
+              <a:ext uri="{FF2B5EF4-FFF2-40B4-BE49-F238E27FC236}">
+                <a16:creationId xmlns:a16="http://schemas.microsoft.com/office/drawing/2014/main" id="{9B2CD91F-A50E-7E47-8909-4EA58495D10D}"/>
+              </a:ext>
+            </a:extLst>
+          </p:cNvPr>
+          <p:cNvSpPr txBox="1"/>
+          <p:nvPr/>
+        </p:nvSpPr>
+        <p:spPr>
+          <a:xfrm>
+            <a:off x="265684" y="1742084"/>
+            <a:ext cx="10725404" cy="646331"/>
+          </a:xfrm>
+          <a:prstGeom prst="rect">
+            <a:avLst/>
+          </a:prstGeom>
+          <a:noFill/>
+        </p:spPr>
+        <p:txBody>
+          <a:bodyPr wrap="square" rtlCol="0">
+            <a:spAutoFit/>
+          </a:bodyPr>
+          <a:lstStyle/>
+          <a:p>
+            <a:pPr algn="just"/>
+            <a:r>
+              <a:rPr lang="en-US" dirty="0"/>
+              <a:t>Publishing URL: </a:t>
+            </a:r>
+            <a:r>
+              <a:rPr lang="en-US" dirty="0">
+                <a:hlinkClick r:id="rId4"/>
+              </a:rPr>
+              <a:t>https://metadata.pithia.eu/schema/</a:t>
+            </a:r>
+            <a:endParaRPr lang="en-US" dirty="0"/>
+          </a:p>
+          <a:p>
+            <a:pPr algn="just"/>
+            <a:r>
+              <a:rPr lang="en-US" dirty="0"/>
+              <a:t>Sample welcome page: </a:t>
+            </a:r>
+          </a:p>
+        </p:txBody>
+      </p:sp>
       <p:cxnSp>
         <p:nvCxnSpPr>
           <p:cNvPr id="67" name="Straight Arrow Connector 66">
@@ -3753,8 +3753,8 @@
         </p:nvCxnSpPr>
         <p:spPr>
           <a:xfrm flipH="1">
-            <a:off x="2889504" y="4205092"/>
-            <a:ext cx="2926080" cy="1489496"/>
+            <a:off x="2889504" y="4482091"/>
+            <a:ext cx="3206496" cy="1212497"/>
           </a:xfrm>
           <a:prstGeom prst="straightConnector1">
             <a:avLst/>

--- a/schema/schema - process v1.pptx
+++ b/schema/schema - process v1.pptx
@@ -4712,10 +4712,6 @@
             </a:r>
             <a:endParaRPr lang="en-US" dirty="0"/>
           </a:p>
-          <a:p>
-            <a:pPr algn="ctr"/>
-            <a:endParaRPr lang="en-US" dirty="0"/>
-          </a:p>
         </p:txBody>
       </p:sp>
       <p:cxnSp>
@@ -4913,7 +4909,7 @@
         <p:spPr>
           <a:xfrm>
             <a:off x="9247631" y="4571864"/>
-            <a:ext cx="0" cy="292744"/>
+            <a:ext cx="0" cy="405543"/>
           </a:xfrm>
           <a:prstGeom prst="straightConnector1">
             <a:avLst/>
@@ -5086,7 +5082,7 @@
         <p:spPr>
           <a:xfrm>
             <a:off x="2150570" y="5497276"/>
-            <a:ext cx="3501151" cy="276999"/>
+            <a:ext cx="2737801" cy="276999"/>
           </a:xfrm>
           <a:prstGeom prst="rect">
             <a:avLst/>
@@ -5103,7 +5099,7 @@
               <a:rPr lang="en-US" sz="1200" dirty="0">
                 <a:hlinkClick r:id="rId5"/>
               </a:rPr>
-              <a:t>https://metadata.pithia.eu/schema/path_to_file/file</a:t>
+              <a:t>https://metadata.pithia.eu/schema/file</a:t>
             </a:r>
             <a:r>
               <a:rPr lang="en-US" sz="1200" dirty="0"/>
@@ -6153,7 +6149,7 @@
             </a:pPr>
             <a:r>
               <a:rPr lang="en-US" dirty="0"/>
-              <a:t>A workflow created I the SCHEMA repo that SSH and pulls the changes on the server vm3.pithia.eu, at path /home/metadata/schema.</a:t>
+              <a:t>A workflow created for the SCHEMA repo that SSH and pulls the changes on the server vm3.pithia.eu, at path /home/metadata/schema.</a:t>
             </a:r>
           </a:p>
           <a:p>
@@ -6944,7 +6940,7 @@
         <p:spPr>
           <a:xfrm>
             <a:off x="78274" y="6468819"/>
-            <a:ext cx="12381723" cy="369332"/>
+            <a:ext cx="12324912" cy="369332"/>
           </a:xfrm>
           <a:prstGeom prst="rect">
             <a:avLst/>
@@ -6959,7 +6955,7 @@
           <a:p>
             <a:r>
               <a:rPr lang="en-US" dirty="0"/>
-              <a:t>Note: This is a concept - I copy the files at the schemas root folder. I can apply a fix to the monitoring script to keep tree structure.  </a:t>
+              <a:t>Note: This is a PoC and I copy the files at the schemas root folder. I can apply a fix to the monitoring script to keep tree structure.  </a:t>
             </a:r>
           </a:p>
         </p:txBody>
